--- a/static/images/thumbnail.pptx
+++ b/static/images/thumbnail.pptx
@@ -104,6 +104,11 @@
       </a:defRPr>
     </a:lvl9pPr>
   </p:defaultTextStyle>
+  <p:extLst>
+    <p:ext uri="{EFAFB233-063F-42B5-8137-9DF3F51BA10A}">
+      <p15:sldGuideLst xmlns:p15="http://schemas.microsoft.com/office/powerpoint/2012/main"/>
+    </p:ext>
+  </p:extLst>
 </p:presentation>
 </file>
 
@@ -3323,10 +3328,10 @@
       </p:grpSpPr>
       <p:grpSp>
         <p:nvGrpSpPr>
-          <p:cNvPr id="12" name="Group 11">
-            <a:extLst>
-              <a:ext uri="{FF2B5EF4-FFF2-40B4-BE49-F238E27FC236}">
-                <a16:creationId xmlns:a16="http://schemas.microsoft.com/office/drawing/2014/main" id="{1F4D82D1-04FF-0509-30B2-F28CCC804DB8}"/>
+          <p:cNvPr id="2" name="Group 1">
+            <a:extLst>
+              <a:ext uri="{FF2B5EF4-FFF2-40B4-BE49-F238E27FC236}">
+                <a16:creationId xmlns:a16="http://schemas.microsoft.com/office/drawing/2014/main" id="{4B91479E-0709-CB21-70B2-B3CD9D847954}"/>
               </a:ext>
             </a:extLst>
           </p:cNvPr>
@@ -3335,10 +3340,10 @@
         </p:nvGrpSpPr>
         <p:grpSpPr>
           <a:xfrm>
-            <a:off x="2425148" y="1921564"/>
-            <a:ext cx="7423582" cy="2676941"/>
-            <a:chOff x="2425148" y="1921564"/>
-            <a:chExt cx="7423582" cy="2676941"/>
+            <a:off x="2395095" y="2090530"/>
+            <a:ext cx="7401810" cy="2676941"/>
+            <a:chOff x="2446920" y="1921564"/>
+            <a:chExt cx="7401810" cy="2676941"/>
           </a:xfrm>
         </p:grpSpPr>
         <p:pic>
@@ -3362,7 +3367,7 @@
           </p:blipFill>
           <p:spPr>
             <a:xfrm>
-              <a:off x="4897861" y="1921564"/>
+              <a:off x="4908747" y="1921564"/>
               <a:ext cx="2478156" cy="2676941"/>
             </a:xfrm>
             <a:prstGeom prst="rect">
@@ -3391,7 +3396,7 @@
           </p:blipFill>
           <p:spPr>
             <a:xfrm>
-              <a:off x="2425148" y="1921564"/>
+              <a:off x="2446920" y="1921564"/>
               <a:ext cx="2478156" cy="2676941"/>
             </a:xfrm>
             <a:prstGeom prst="rect">
